--- a/Assignment 2/unsupervised learning/Unsupervised Learning.pptx
+++ b/Assignment 2/unsupervised learning/Unsupervised Learning.pptx
@@ -8423,8 +8423,8 @@
         </p:blipFill>
         <p:spPr>
           <a:xfrm>
-            <a:off x="6353100" y="1152468"/>
-            <a:ext cx="2479201" cy="1176475"/>
+            <a:off x="7196611" y="96225"/>
+            <a:ext cx="1570427" cy="1056250"/>
           </a:xfrm>
           <a:prstGeom prst="rect">
             <a:avLst/>
@@ -8451,8 +8451,8 @@
         </p:blipFill>
         <p:spPr>
           <a:xfrm>
-            <a:off x="6807486" y="96225"/>
-            <a:ext cx="1570427" cy="1056250"/>
+            <a:off x="1159775" y="3219100"/>
+            <a:ext cx="2985950" cy="1727675"/>
           </a:xfrm>
           <a:prstGeom prst="rect">
             <a:avLst/>
@@ -8479,8 +8479,8 @@
         </p:blipFill>
         <p:spPr>
           <a:xfrm>
-            <a:off x="1159775" y="3219100"/>
-            <a:ext cx="2985950" cy="1727675"/>
+            <a:off x="6353100" y="1152468"/>
+            <a:ext cx="2479201" cy="1176475"/>
           </a:xfrm>
           <a:prstGeom prst="rect">
             <a:avLst/>
@@ -8580,118 +8580,101 @@
           <a:lstStyle/>
           <a:p>
             <a:pPr indent="0" lvl="0" marL="0" rtl="0" algn="l">
-              <a:spcBef>
-                <a:spcPts val="0"/>
-              </a:spcBef>
-              <a:spcAft>
-                <a:spcPts val="0"/>
-              </a:spcAft>
+              <a:lnSpc>
+                <a:spcPct val="105000"/>
+              </a:lnSpc>
+              <a:spcBef>
+                <a:spcPts val="0"/>
+              </a:spcBef>
+              <a:spcAft>
+                <a:spcPts val="0"/>
+              </a:spcAft>
+              <a:buSzPts val="935"/>
               <a:buNone/>
             </a:pPr>
             <a:r>
-              <a:rPr lang="en" sz="1000"/>
-              <a:t>Segment 1: </a:t>
+              <a:rPr lang="en" sz="1120"/>
+              <a:t>Segment 1: Low Income Customers This segment consists of customers who are more frugal, possibly due to a poor financial situation. This means they are less likely to be persuaded to spend more in the mall, due to their lack of means.</a:t>
             </a:r>
+            <a:endParaRPr sz="1120"/>
+          </a:p>
+          <a:p>
+            <a:pPr indent="0" lvl="0" marL="0" rtl="0" algn="l">
+              <a:lnSpc>
+                <a:spcPct val="105000"/>
+              </a:lnSpc>
+              <a:spcBef>
+                <a:spcPts val="1200"/>
+              </a:spcBef>
+              <a:spcAft>
+                <a:spcPts val="0"/>
+              </a:spcAft>
+              <a:buSzPts val="935"/>
+              <a:buNone/>
+            </a:pPr>
             <a:r>
-              <a:rPr lang="en" sz="1000"/>
-              <a:t>Typical Young Customers</a:t>
+              <a:rPr lang="en" sz="1120"/>
+              <a:t>Segment 2: Typical Old Customers The largest segment. While this segment is similar to segment 5, their old age means they are more likely to continue to shop in the mall due to less proficiency with technology and more conservative mindset. Hence, they are easier to keep around. Their older age means their incomes are less likely to increase.</a:t>
             </a:r>
-            <a:endParaRPr sz="1000"/>
+            <a:endParaRPr sz="1120"/>
           </a:p>
           <a:p>
             <a:pPr indent="0" lvl="0" marL="0" rtl="0" algn="l">
+              <a:lnSpc>
+                <a:spcPct val="105000"/>
+              </a:lnSpc>
               <a:spcBef>
                 <a:spcPts val="1200"/>
               </a:spcBef>
               <a:spcAft>
                 <a:spcPts val="0"/>
               </a:spcAft>
+              <a:buSzPts val="935"/>
               <a:buNone/>
             </a:pPr>
             <a:r>
-              <a:rPr lang="en" sz="1000"/>
-              <a:t>This segment represents the average young adult shopper. Their younger ages mean they are more savvy and hence more likely to increasingly turn towards online retail.</a:t>
+              <a:rPr lang="en" sz="1120"/>
+              <a:t>Segment 3: Frugal Professionals This segment consists of middle aged high income earners who do not spend a lot in the mall. This indicates that they are picky about what they spend money on. This group has a high potential if they can be converted to loyal customers of the mall.</a:t>
             </a:r>
-            <a:endParaRPr sz="1000"/>
+            <a:endParaRPr sz="1120"/>
           </a:p>
           <a:p>
             <a:pPr indent="0" lvl="0" marL="0" rtl="0" algn="l">
+              <a:lnSpc>
+                <a:spcPct val="105000"/>
+              </a:lnSpc>
               <a:spcBef>
                 <a:spcPts val="1200"/>
               </a:spcBef>
               <a:spcAft>
                 <a:spcPts val="0"/>
               </a:spcAft>
-              <a:buNone/>
-            </a:pPr>
-            <a:r>
-              <a:rPr lang="en" sz="1000"/>
-              <a:t>Segment 2: Typical Old Customers</a:t>
-            </a:r>
-            <a:endParaRPr sz="1000"/>
-          </a:p>
-          <a:p>
-            <a:pPr indent="0" lvl="0" marL="0" rtl="0" algn="l">
-              <a:spcBef>
-                <a:spcPts val="1200"/>
-              </a:spcBef>
-              <a:spcAft>
-                <a:spcPts val="0"/>
-              </a:spcAft>
-              <a:buNone/>
-            </a:pPr>
-            <a:r>
-              <a:rPr lang="en" sz="1000"/>
-              <a:t>The largest segment. While this segment is similar to segment 1, their old age means they are more likely to continue to shop in the mall due to less proficiency with technology and more conservative mindset. Hence, they are easier to keep around. Their older age means their incomes are less likely to increase.</a:t>
-            </a:r>
-            <a:endParaRPr sz="1000"/>
-          </a:p>
-          <a:p>
-            <a:pPr indent="0" lvl="0" marL="0" rtl="0" algn="l">
-              <a:spcBef>
-                <a:spcPts val="1200"/>
-              </a:spcBef>
-              <a:spcAft>
-                <a:spcPts val="0"/>
-              </a:spcAft>
-              <a:buNone/>
-            </a:pPr>
-            <a:r>
-              <a:rPr lang="en" sz="1000"/>
-              <a:t>Segment 3: Frugal Professionals</a:t>
-            </a:r>
-            <a:endParaRPr sz="1000"/>
-          </a:p>
-          <a:p>
-            <a:pPr indent="0" lvl="0" marL="0" rtl="0" algn="l">
-              <a:spcBef>
-                <a:spcPts val="1200"/>
-              </a:spcBef>
-              <a:spcAft>
-                <a:spcPts val="0"/>
-              </a:spcAft>
-              <a:buNone/>
-            </a:pPr>
-            <a:r>
-              <a:rPr lang="en" sz="1000"/>
-              <a:t>This segment consists of middle aged high income earners who do not spend a lot in the mall. This indicates that they are picky about what they spend money on. This group has a high potential if they can be converted to loyal customers of the mall.</a:t>
-            </a:r>
-            <a:endParaRPr sz="1000"/>
-          </a:p>
-          <a:p>
-            <a:pPr indent="0" lvl="0" marL="0" rtl="0" algn="l">
-              <a:spcBef>
-                <a:spcPts val="1200"/>
-              </a:spcBef>
-              <a:spcAft>
-                <a:spcPts val="1200"/>
-              </a:spcAft>
+              <a:buSzPts val="935"/>
               <a:buNone/>
             </a:pPr>
             <a:r>
               <a:t/>
             </a:r>
-            <a:endParaRPr sz="1000"/>
+            <a:endParaRPr sz="1120"/>
+          </a:p>
+          <a:p>
+            <a:pPr indent="0" lvl="0" marL="0" rtl="0" algn="l">
+              <a:lnSpc>
+                <a:spcPct val="105000"/>
+              </a:lnSpc>
+              <a:spcBef>
+                <a:spcPts val="1200"/>
+              </a:spcBef>
+              <a:spcAft>
+                <a:spcPts val="1200"/>
+              </a:spcAft>
+              <a:buSzPts val="935"/>
+              <a:buNone/>
+            </a:pPr>
+            <a:r>
+              <a:t/>
+            </a:r>
+            <a:endParaRPr sz="1120"/>
           </a:p>
         </p:txBody>
       </p:sp>
@@ -8711,8 +8694,8 @@
         </p:blipFill>
         <p:spPr>
           <a:xfrm>
-            <a:off x="4068000" y="398013"/>
-            <a:ext cx="4773200" cy="4347475"/>
+            <a:off x="4415950" y="489650"/>
+            <a:ext cx="4572000" cy="4164206"/>
           </a:xfrm>
           <a:prstGeom prst="rect">
             <a:avLst/>
@@ -8807,11 +8790,14 @@
         </p:spPr>
         <p:txBody>
           <a:bodyPr anchorCtr="0" anchor="t" bIns="91425" lIns="91425" spcFirstLastPara="1" rIns="91425" wrap="square" tIns="91425">
-            <a:noAutofit/>
+            <a:normAutofit/>
           </a:bodyPr>
           <a:lstStyle/>
           <a:p>
             <a:pPr indent="0" lvl="0" marL="0" rtl="0" algn="l">
+              <a:lnSpc>
+                <a:spcPct val="95000"/>
+              </a:lnSpc>
               <a:spcBef>
                 <a:spcPts val="0"/>
               </a:spcBef>
@@ -8821,13 +8807,16 @@
               <a:buNone/>
             </a:pPr>
             <a:r>
-              <a:rPr lang="en" sz="1000"/>
-              <a:t>Segment 4: Professionals</a:t>
+              <a:rPr lang="en" sz="1100"/>
+              <a:t>Segment 4: Young and Irresponsible This segment consists of young and low income customers who are big spenders in the mall. Their high spending score suggests they are loyal customers, but they lack potential for further spending due to their low incomes.</a:t>
             </a:r>
-            <a:endParaRPr sz="1000"/>
+            <a:endParaRPr sz="1100"/>
           </a:p>
           <a:p>
             <a:pPr indent="0" lvl="0" marL="0" rtl="0" algn="l">
+              <a:lnSpc>
+                <a:spcPct val="95000"/>
+              </a:lnSpc>
               <a:spcBef>
                 <a:spcPts val="1200"/>
               </a:spcBef>
@@ -8837,13 +8826,16 @@
               <a:buNone/>
             </a:pPr>
             <a:r>
-              <a:rPr lang="en" sz="1000"/>
-              <a:t>This is an attractive segment of young to middle aged customers who are not only wealthy, but are also big spenders.  Their high spending score indicates they are already loyal customers. </a:t>
+              <a:rPr lang="en" sz="1100"/>
+              <a:t>Segment 5: Typical Young Customers This segment represents the average young adult shopper. Their younger ages mean they are more savvy and hence more likely to increasingly turn towards online retail.</a:t>
             </a:r>
-            <a:endParaRPr sz="1000"/>
+            <a:endParaRPr sz="1100"/>
           </a:p>
           <a:p>
             <a:pPr indent="0" lvl="0" marL="0" rtl="0" algn="l">
+              <a:lnSpc>
+                <a:spcPct val="95000"/>
+              </a:lnSpc>
               <a:spcBef>
                 <a:spcPts val="1200"/>
               </a:spcBef>
@@ -8853,69 +8845,16 @@
               <a:buNone/>
             </a:pPr>
             <a:r>
-              <a:rPr lang="en" sz="1000"/>
-              <a:t>Segment 5: Low Income Customers</a:t>
+              <a:rPr lang="en" sz="1100"/>
+              <a:t>Segment 6: Professionals This is an attractive segment of young to middle aged customers who are not only wealthy, but are also big spenders. Their high spending score indicates they are already loyal customers.</a:t>
             </a:r>
-            <a:endParaRPr sz="1000"/>
+            <a:endParaRPr sz="1100"/>
           </a:p>
           <a:p>
             <a:pPr indent="0" lvl="0" marL="0" rtl="0" algn="l">
-              <a:spcBef>
-                <a:spcPts val="1200"/>
-              </a:spcBef>
-              <a:spcAft>
-                <a:spcPts val="0"/>
-              </a:spcAft>
-              <a:buNone/>
-            </a:pPr>
-            <a:r>
-              <a:rPr lang="en" sz="1000"/>
-              <a:t>This segment consists of customers who are more </a:t>
-            </a:r>
-            <a:r>
-              <a:rPr lang="en" sz="1000"/>
-              <a:t>frugal</a:t>
-            </a:r>
-            <a:r>
-              <a:rPr lang="en" sz="1000"/>
-              <a:t>, possibly due to a poor financial situation. This means they are less likely to be persuaded to spend more in the mall, due to their lack of means.</a:t>
-            </a:r>
-            <a:endParaRPr sz="1000"/>
-          </a:p>
-          <a:p>
-            <a:pPr indent="0" lvl="0" marL="0" rtl="0" algn="l">
-              <a:spcBef>
-                <a:spcPts val="1200"/>
-              </a:spcBef>
-              <a:spcAft>
-                <a:spcPts val="0"/>
-              </a:spcAft>
-              <a:buNone/>
-            </a:pPr>
-            <a:r>
-              <a:rPr lang="en" sz="1000"/>
-              <a:t>Segment 6: Young and Irresponsible</a:t>
-            </a:r>
-            <a:endParaRPr sz="1000"/>
-          </a:p>
-          <a:p>
-            <a:pPr indent="0" lvl="0" marL="0" rtl="0" algn="l">
-              <a:spcBef>
-                <a:spcPts val="1200"/>
-              </a:spcBef>
-              <a:spcAft>
-                <a:spcPts val="0"/>
-              </a:spcAft>
-              <a:buNone/>
-            </a:pPr>
-            <a:r>
-              <a:rPr lang="en" sz="1000"/>
-              <a:t>This segment consists of young and low income customers who are big spenders in the mall. Their high spending score suggests they are loyal customers, but they lack potential for further spending due to their low incomes.</a:t>
-            </a:r>
-            <a:endParaRPr sz="1000"/>
-          </a:p>
-          <a:p>
-            <a:pPr indent="0" lvl="0" marL="0" rtl="0" algn="l">
+              <a:lnSpc>
+                <a:spcPct val="95000"/>
+              </a:lnSpc>
               <a:spcBef>
                 <a:spcPts val="1200"/>
               </a:spcBef>
@@ -8927,7 +8866,7 @@
             <a:r>
               <a:t/>
             </a:r>
-            <a:endParaRPr sz="1000"/>
+            <a:endParaRPr sz="1100"/>
           </a:p>
         </p:txBody>
       </p:sp>
@@ -8947,8 +8886,8 @@
         </p:blipFill>
         <p:spPr>
           <a:xfrm>
-            <a:off x="3931950" y="418143"/>
-            <a:ext cx="4729000" cy="4307208"/>
+            <a:off x="4287625" y="402775"/>
+            <a:ext cx="4762750" cy="4337950"/>
           </a:xfrm>
           <a:prstGeom prst="rect">
             <a:avLst/>
@@ -9640,7 +9579,7 @@
             <a:tbl>
               <a:tblPr>
                 <a:noFill/>
-                <a:tableStyleId>{C49F6023-3997-49C1-A262-C2FE7E6F1503}</a:tableStyleId>
+                <a:tableStyleId>{FC4758CB-2833-417D-9732-F25E11934A90}</a:tableStyleId>
               </a:tblPr>
               <a:tblGrid>
                 <a:gridCol w="1290975"/>
@@ -10586,7 +10525,7 @@
             </a:pPr>
             <a:r>
               <a:rPr lang="en" sz="1200"/>
-              <a:t>Two sample t-test on the sample means show no evidence for a significant difference</a:t>
+              <a:t>Two sample t-test on the sample means show no evidence for a significant difference (significance level of 0.05, equal variances)</a:t>
             </a:r>
             <a:endParaRPr sz="1200"/>
           </a:p>
@@ -11503,6 +11442,285 @@
 </file>
 
 <file path=ppt/theme/theme1.xml><?xml version="1.0" encoding="utf-8"?>
+<a:theme xmlns:a="http://schemas.openxmlformats.org/drawingml/2006/main" xmlns:r="http://schemas.openxmlformats.org/officeDocument/2006/relationships">
+  <a:themeElements>
+    <a:clrScheme name="Default">
+      <a:dk1>
+        <a:srgbClr val="000000"/>
+      </a:dk1>
+      <a:lt1>
+        <a:srgbClr val="FFFFFF"/>
+      </a:lt1>
+      <a:dk2>
+        <a:srgbClr val="158158"/>
+      </a:dk2>
+      <a:lt2>
+        <a:srgbClr val="F3F3F3"/>
+      </a:lt2>
+      <a:accent1>
+        <a:srgbClr val="058DC7"/>
+      </a:accent1>
+      <a:accent2>
+        <a:srgbClr val="50B432"/>
+      </a:accent2>
+      <a:accent3>
+        <a:srgbClr val="ED561B"/>
+      </a:accent3>
+      <a:accent4>
+        <a:srgbClr val="EDEF00"/>
+      </a:accent4>
+      <a:accent5>
+        <a:srgbClr val="24CBE5"/>
+      </a:accent5>
+      <a:accent6>
+        <a:srgbClr val="64E572"/>
+      </a:accent6>
+      <a:hlink>
+        <a:srgbClr val="2200CC"/>
+      </a:hlink>
+      <a:folHlink>
+        <a:srgbClr val="551A8B"/>
+      </a:folHlink>
+    </a:clrScheme>
+    <a:fontScheme name="Office">
+      <a:majorFont>
+        <a:latin typeface="Arial"/>
+        <a:ea typeface=""/>
+        <a:cs typeface=""/>
+        <a:font script="Jpan" typeface="ＭＳ Ｐゴシック"/>
+        <a:font script="Hang" typeface="맑은 고딕"/>
+        <a:font script="Hans" typeface="宋体"/>
+        <a:font script="Hant" typeface="新細明體"/>
+        <a:font script="Arab" typeface="Times New Roman"/>
+        <a:font script="Hebr" typeface="Times New Roman"/>
+        <a:font script="Thai" typeface="Angsana New"/>
+        <a:font script="Ethi" typeface="Nyala"/>
+        <a:font script="Beng" typeface="Vrinda"/>
+        <a:font script="Gujr" typeface="Shruti"/>
+        <a:font script="Khmr" typeface="MoolBoran"/>
+        <a:font script="Knda" typeface="Tunga"/>
+        <a:font script="Guru" typeface="Raavi"/>
+        <a:font script="Cans" typeface="Euphemia"/>
+        <a:font script="Cher" typeface="Plantagenet Cherokee"/>
+        <a:font script="Yiii" typeface="Microsoft Yi Baiti"/>
+        <a:font script="Tibt" typeface="Microsoft Himalaya"/>
+        <a:font script="Thaa" typeface="MV Boli"/>
+        <a:font script="Deva" typeface="Mangal"/>
+        <a:font script="Telu" typeface="Gautami"/>
+        <a:font script="Taml" typeface="Latha"/>
+        <a:font script="Syrc" typeface="Estrangelo Edessa"/>
+        <a:font script="Orya" typeface="Kalinga"/>
+        <a:font script="Mlym" typeface="Kartika"/>
+        <a:font script="Laoo" typeface="DokChampa"/>
+        <a:font script="Sinh" typeface="Iskoola Pota"/>
+        <a:font script="Mong" typeface="Mongolian Baiti"/>
+        <a:font script="Viet" typeface="Times New Roman"/>
+        <a:font script="Uigh" typeface="Microsoft Uighur"/>
+        <a:font script="Geor" typeface="Sylfaen"/>
+      </a:majorFont>
+      <a:minorFont>
+        <a:latin typeface="Arial"/>
+        <a:ea typeface=""/>
+        <a:cs typeface=""/>
+        <a:font script="Jpan" typeface="ＭＳ Ｐゴシック"/>
+        <a:font script="Hang" typeface="맑은 고딕"/>
+        <a:font script="Hans" typeface="宋体"/>
+        <a:font script="Hant" typeface="新細明體"/>
+        <a:font script="Arab" typeface="Arial"/>
+        <a:font script="Hebr" typeface="Arial"/>
+        <a:font script="Thai" typeface="Cordia New"/>
+        <a:font script="Ethi" typeface="Nyala"/>
+        <a:font script="Beng" typeface="Vrinda"/>
+        <a:font script="Gujr" typeface="Shruti"/>
+        <a:font script="Khmr" typeface="DaunPenh"/>
+        <a:font script="Knda" typeface="Tunga"/>
+        <a:font script="Guru" typeface="Raavi"/>
+        <a:font script="Cans" typeface="Euphemia"/>
+        <a:font script="Cher" typeface="Plantagenet Cherokee"/>
+        <a:font script="Yiii" typeface="Microsoft Yi Baiti"/>
+        <a:font script="Tibt" typeface="Microsoft Himalaya"/>
+        <a:font script="Thaa" typeface="MV Boli"/>
+        <a:font script="Deva" typeface="Mangal"/>
+        <a:font script="Telu" typeface="Gautami"/>
+        <a:font script="Taml" typeface="Latha"/>
+        <a:font script="Syrc" typeface="Estrangelo Edessa"/>
+        <a:font script="Orya" typeface="Kalinga"/>
+        <a:font script="Mlym" typeface="Kartika"/>
+        <a:font script="Laoo" typeface="DokChampa"/>
+        <a:font script="Sinh" typeface="Iskoola Pota"/>
+        <a:font script="Mong" typeface="Mongolian Baiti"/>
+        <a:font script="Viet" typeface="Arial"/>
+        <a:font script="Uigh" typeface="Microsoft Uighur"/>
+        <a:font script="Geor" typeface="Sylfaen"/>
+      </a:minorFont>
+    </a:fontScheme>
+    <a:fmtScheme name="Office">
+      <a:fillStyleLst>
+        <a:solidFill>
+          <a:schemeClr val="phClr"/>
+        </a:solidFill>
+        <a:gradFill rotWithShape="1">
+          <a:gsLst>
+            <a:gs pos="0">
+              <a:schemeClr val="phClr">
+                <a:tint val="50000"/>
+                <a:satMod val="300000"/>
+              </a:schemeClr>
+            </a:gs>
+            <a:gs pos="35000">
+              <a:schemeClr val="phClr">
+                <a:tint val="37000"/>
+                <a:satMod val="300000"/>
+              </a:schemeClr>
+            </a:gs>
+            <a:gs pos="100000">
+              <a:schemeClr val="phClr">
+                <a:tint val="15000"/>
+                <a:satMod val="350000"/>
+              </a:schemeClr>
+            </a:gs>
+          </a:gsLst>
+          <a:lin ang="16200000" scaled="1"/>
+        </a:gradFill>
+        <a:gradFill rotWithShape="1">
+          <a:gsLst>
+            <a:gs pos="0">
+              <a:schemeClr val="phClr">
+                <a:tint val="100000"/>
+                <a:shade val="100000"/>
+                <a:satMod val="130000"/>
+              </a:schemeClr>
+            </a:gs>
+            <a:gs pos="100000">
+              <a:schemeClr val="phClr">
+                <a:tint val="50000"/>
+                <a:shade val="100000"/>
+                <a:satMod val="350000"/>
+              </a:schemeClr>
+            </a:gs>
+          </a:gsLst>
+          <a:lin ang="16200000" scaled="0"/>
+        </a:gradFill>
+      </a:fillStyleLst>
+      <a:lnStyleLst>
+        <a:ln w="9525" cap="flat" cmpd="sng" algn="ctr">
+          <a:solidFill>
+            <a:schemeClr val="phClr">
+              <a:shade val="95000"/>
+              <a:satMod val="105000"/>
+            </a:schemeClr>
+          </a:solidFill>
+          <a:prstDash val="solid"/>
+        </a:ln>
+        <a:ln w="25400" cap="flat" cmpd="sng" algn="ctr">
+          <a:solidFill>
+            <a:schemeClr val="phClr"/>
+          </a:solidFill>
+          <a:prstDash val="solid"/>
+        </a:ln>
+        <a:ln w="38100" cap="flat" cmpd="sng" algn="ctr">
+          <a:solidFill>
+            <a:schemeClr val="phClr"/>
+          </a:solidFill>
+          <a:prstDash val="solid"/>
+        </a:ln>
+      </a:lnStyleLst>
+      <a:effectStyleLst>
+        <a:effectStyle>
+          <a:effectLst>
+            <a:outerShdw blurRad="40000" dist="20000" dir="5400000" rotWithShape="0">
+              <a:srgbClr val="000000">
+                <a:alpha val="38000"/>
+              </a:srgbClr>
+            </a:outerShdw>
+          </a:effectLst>
+        </a:effectStyle>
+        <a:effectStyle>
+          <a:effectLst>
+            <a:outerShdw blurRad="40000" dist="23000" dir="5400000" rotWithShape="0">
+              <a:srgbClr val="000000">
+                <a:alpha val="35000"/>
+              </a:srgbClr>
+            </a:outerShdw>
+          </a:effectLst>
+        </a:effectStyle>
+        <a:effectStyle>
+          <a:effectLst>
+            <a:outerShdw blurRad="40000" dist="23000" dir="5400000" rotWithShape="0">
+              <a:srgbClr val="000000">
+                <a:alpha val="35000"/>
+              </a:srgbClr>
+            </a:outerShdw>
+          </a:effectLst>
+          <a:scene3d>
+            <a:camera prst="orthographicFront">
+              <a:rot lat="0" lon="0" rev="0"/>
+            </a:camera>
+            <a:lightRig rig="threePt" dir="t">
+              <a:rot lat="0" lon="0" rev="1200000"/>
+            </a:lightRig>
+          </a:scene3d>
+          <a:sp3d>
+            <a:bevelT w="63500" h="25400"/>
+          </a:sp3d>
+        </a:effectStyle>
+      </a:effectStyleLst>
+      <a:bgFillStyleLst>
+        <a:solidFill>
+          <a:schemeClr val="phClr"/>
+        </a:solidFill>
+        <a:gradFill rotWithShape="1">
+          <a:gsLst>
+            <a:gs pos="0">
+              <a:schemeClr val="phClr">
+                <a:tint val="40000"/>
+                <a:satMod val="350000"/>
+              </a:schemeClr>
+            </a:gs>
+            <a:gs pos="40000">
+              <a:schemeClr val="phClr">
+                <a:tint val="45000"/>
+                <a:shade val="99000"/>
+                <a:satMod val="350000"/>
+              </a:schemeClr>
+            </a:gs>
+            <a:gs pos="100000">
+              <a:schemeClr val="phClr">
+                <a:shade val="20000"/>
+                <a:satMod val="255000"/>
+              </a:schemeClr>
+            </a:gs>
+          </a:gsLst>
+          <a:path path="circle">
+            <a:fillToRect l="50000" t="-80000" r="50000" b="180000"/>
+          </a:path>
+        </a:gradFill>
+        <a:gradFill rotWithShape="1">
+          <a:gsLst>
+            <a:gs pos="0">
+              <a:schemeClr val="phClr">
+                <a:tint val="80000"/>
+                <a:satMod val="300000"/>
+              </a:schemeClr>
+            </a:gs>
+            <a:gs pos="100000">
+              <a:schemeClr val="phClr">
+                <a:shade val="30000"/>
+                <a:satMod val="200000"/>
+              </a:schemeClr>
+            </a:gs>
+          </a:gsLst>
+          <a:path path="circle">
+            <a:fillToRect l="50000" t="50000" r="50000" b="50000"/>
+          </a:path>
+        </a:gradFill>
+      </a:bgFillStyleLst>
+    </a:fmtScheme>
+  </a:themeElements>
+</a:theme>
+</file>
+
+<file path=ppt/theme/theme2.xml><?xml version="1.0" encoding="utf-8"?>
 <a:theme xmlns:a="http://schemas.openxmlformats.org/drawingml/2006/main" xmlns:r="http://schemas.openxmlformats.org/officeDocument/2006/relationships" name="Spearmint">
   <a:themeElements>
     <a:clrScheme name="Spearmint">
@@ -11779,283 +11997,4 @@
     </a:fmtScheme>
   </a:themeElements>
 </a:theme>
-</file>
-
-<file path=ppt/theme/theme2.xml><?xml version="1.0" encoding="utf-8"?>
-<a:theme xmlns:a="http://schemas.openxmlformats.org/drawingml/2006/main" xmlns:r="http://schemas.openxmlformats.org/officeDocument/2006/relationships">
-  <a:themeElements>
-    <a:clrScheme name="Default">
-      <a:dk1>
-        <a:srgbClr val="000000"/>
-      </a:dk1>
-      <a:lt1>
-        <a:srgbClr val="FFFFFF"/>
-      </a:lt1>
-      <a:dk2>
-        <a:srgbClr val="158158"/>
-      </a:dk2>
-      <a:lt2>
-        <a:srgbClr val="F3F3F3"/>
-      </a:lt2>
-      <a:accent1>
-        <a:srgbClr val="058DC7"/>
-      </a:accent1>
-      <a:accent2>
-        <a:srgbClr val="50B432"/>
-      </a:accent2>
-      <a:accent3>
-        <a:srgbClr val="ED561B"/>
-      </a:accent3>
-      <a:accent4>
-        <a:srgbClr val="EDEF00"/>
-      </a:accent4>
-      <a:accent5>
-        <a:srgbClr val="24CBE5"/>
-      </a:accent5>
-      <a:accent6>
-        <a:srgbClr val="64E572"/>
-      </a:accent6>
-      <a:hlink>
-        <a:srgbClr val="2200CC"/>
-      </a:hlink>
-      <a:folHlink>
-        <a:srgbClr val="551A8B"/>
-      </a:folHlink>
-    </a:clrScheme>
-    <a:fontScheme name="Office">
-      <a:majorFont>
-        <a:latin typeface="Arial"/>
-        <a:ea typeface=""/>
-        <a:cs typeface=""/>
-        <a:font script="Jpan" typeface="ＭＳ Ｐゴシック"/>
-        <a:font script="Hang" typeface="맑은 고딕"/>
-        <a:font script="Hans" typeface="宋体"/>
-        <a:font script="Hant" typeface="新細明體"/>
-        <a:font script="Arab" typeface="Times New Roman"/>
-        <a:font script="Hebr" typeface="Times New Roman"/>
-        <a:font script="Thai" typeface="Angsana New"/>
-        <a:font script="Ethi" typeface="Nyala"/>
-        <a:font script="Beng" typeface="Vrinda"/>
-        <a:font script="Gujr" typeface="Shruti"/>
-        <a:font script="Khmr" typeface="MoolBoran"/>
-        <a:font script="Knda" typeface="Tunga"/>
-        <a:font script="Guru" typeface="Raavi"/>
-        <a:font script="Cans" typeface="Euphemia"/>
-        <a:font script="Cher" typeface="Plantagenet Cherokee"/>
-        <a:font script="Yiii" typeface="Microsoft Yi Baiti"/>
-        <a:font script="Tibt" typeface="Microsoft Himalaya"/>
-        <a:font script="Thaa" typeface="MV Boli"/>
-        <a:font script="Deva" typeface="Mangal"/>
-        <a:font script="Telu" typeface="Gautami"/>
-        <a:font script="Taml" typeface="Latha"/>
-        <a:font script="Syrc" typeface="Estrangelo Edessa"/>
-        <a:font script="Orya" typeface="Kalinga"/>
-        <a:font script="Mlym" typeface="Kartika"/>
-        <a:font script="Laoo" typeface="DokChampa"/>
-        <a:font script="Sinh" typeface="Iskoola Pota"/>
-        <a:font script="Mong" typeface="Mongolian Baiti"/>
-        <a:font script="Viet" typeface="Times New Roman"/>
-        <a:font script="Uigh" typeface="Microsoft Uighur"/>
-        <a:font script="Geor" typeface="Sylfaen"/>
-      </a:majorFont>
-      <a:minorFont>
-        <a:latin typeface="Arial"/>
-        <a:ea typeface=""/>
-        <a:cs typeface=""/>
-        <a:font script="Jpan" typeface="ＭＳ Ｐゴシック"/>
-        <a:font script="Hang" typeface="맑은 고딕"/>
-        <a:font script="Hans" typeface="宋体"/>
-        <a:font script="Hant" typeface="新細明體"/>
-        <a:font script="Arab" typeface="Arial"/>
-        <a:font script="Hebr" typeface="Arial"/>
-        <a:font script="Thai" typeface="Cordia New"/>
-        <a:font script="Ethi" typeface="Nyala"/>
-        <a:font script="Beng" typeface="Vrinda"/>
-        <a:font script="Gujr" typeface="Shruti"/>
-        <a:font script="Khmr" typeface="DaunPenh"/>
-        <a:font script="Knda" typeface="Tunga"/>
-        <a:font script="Guru" typeface="Raavi"/>
-        <a:font script="Cans" typeface="Euphemia"/>
-        <a:font script="Cher" typeface="Plantagenet Cherokee"/>
-        <a:font script="Yiii" typeface="Microsoft Yi Baiti"/>
-        <a:font script="Tibt" typeface="Microsoft Himalaya"/>
-        <a:font script="Thaa" typeface="MV Boli"/>
-        <a:font script="Deva" typeface="Mangal"/>
-        <a:font script="Telu" typeface="Gautami"/>
-        <a:font script="Taml" typeface="Latha"/>
-        <a:font script="Syrc" typeface="Estrangelo Edessa"/>
-        <a:font script="Orya" typeface="Kalinga"/>
-        <a:font script="Mlym" typeface="Kartika"/>
-        <a:font script="Laoo" typeface="DokChampa"/>
-        <a:font script="Sinh" typeface="Iskoola Pota"/>
-        <a:font script="Mong" typeface="Mongolian Baiti"/>
-        <a:font script="Viet" typeface="Arial"/>
-        <a:font script="Uigh" typeface="Microsoft Uighur"/>
-        <a:font script="Geor" typeface="Sylfaen"/>
-      </a:minorFont>
-    </a:fontScheme>
-    <a:fmtScheme name="Office">
-      <a:fillStyleLst>
-        <a:solidFill>
-          <a:schemeClr val="phClr"/>
-        </a:solidFill>
-        <a:gradFill rotWithShape="1">
-          <a:gsLst>
-            <a:gs pos="0">
-              <a:schemeClr val="phClr">
-                <a:tint val="50000"/>
-                <a:satMod val="300000"/>
-              </a:schemeClr>
-            </a:gs>
-            <a:gs pos="35000">
-              <a:schemeClr val="phClr">
-                <a:tint val="37000"/>
-                <a:satMod val="300000"/>
-              </a:schemeClr>
-            </a:gs>
-            <a:gs pos="100000">
-              <a:schemeClr val="phClr">
-                <a:tint val="15000"/>
-                <a:satMod val="350000"/>
-              </a:schemeClr>
-            </a:gs>
-          </a:gsLst>
-          <a:lin ang="16200000" scaled="1"/>
-        </a:gradFill>
-        <a:gradFill rotWithShape="1">
-          <a:gsLst>
-            <a:gs pos="0">
-              <a:schemeClr val="phClr">
-                <a:tint val="100000"/>
-                <a:shade val="100000"/>
-                <a:satMod val="130000"/>
-              </a:schemeClr>
-            </a:gs>
-            <a:gs pos="100000">
-              <a:schemeClr val="phClr">
-                <a:tint val="50000"/>
-                <a:shade val="100000"/>
-                <a:satMod val="350000"/>
-              </a:schemeClr>
-            </a:gs>
-          </a:gsLst>
-          <a:lin ang="16200000" scaled="0"/>
-        </a:gradFill>
-      </a:fillStyleLst>
-      <a:lnStyleLst>
-        <a:ln w="9525" cap="flat" cmpd="sng" algn="ctr">
-          <a:solidFill>
-            <a:schemeClr val="phClr">
-              <a:shade val="95000"/>
-              <a:satMod val="105000"/>
-            </a:schemeClr>
-          </a:solidFill>
-          <a:prstDash val="solid"/>
-        </a:ln>
-        <a:ln w="25400" cap="flat" cmpd="sng" algn="ctr">
-          <a:solidFill>
-            <a:schemeClr val="phClr"/>
-          </a:solidFill>
-          <a:prstDash val="solid"/>
-        </a:ln>
-        <a:ln w="38100" cap="flat" cmpd="sng" algn="ctr">
-          <a:solidFill>
-            <a:schemeClr val="phClr"/>
-          </a:solidFill>
-          <a:prstDash val="solid"/>
-        </a:ln>
-      </a:lnStyleLst>
-      <a:effectStyleLst>
-        <a:effectStyle>
-          <a:effectLst>
-            <a:outerShdw blurRad="40000" dist="20000" dir="5400000" rotWithShape="0">
-              <a:srgbClr val="000000">
-                <a:alpha val="38000"/>
-              </a:srgbClr>
-            </a:outerShdw>
-          </a:effectLst>
-        </a:effectStyle>
-        <a:effectStyle>
-          <a:effectLst>
-            <a:outerShdw blurRad="40000" dist="23000" dir="5400000" rotWithShape="0">
-              <a:srgbClr val="000000">
-                <a:alpha val="35000"/>
-              </a:srgbClr>
-            </a:outerShdw>
-          </a:effectLst>
-        </a:effectStyle>
-        <a:effectStyle>
-          <a:effectLst>
-            <a:outerShdw blurRad="40000" dist="23000" dir="5400000" rotWithShape="0">
-              <a:srgbClr val="000000">
-                <a:alpha val="35000"/>
-              </a:srgbClr>
-            </a:outerShdw>
-          </a:effectLst>
-          <a:scene3d>
-            <a:camera prst="orthographicFront">
-              <a:rot lat="0" lon="0" rev="0"/>
-            </a:camera>
-            <a:lightRig rig="threePt" dir="t">
-              <a:rot lat="0" lon="0" rev="1200000"/>
-            </a:lightRig>
-          </a:scene3d>
-          <a:sp3d>
-            <a:bevelT w="63500" h="25400"/>
-          </a:sp3d>
-        </a:effectStyle>
-      </a:effectStyleLst>
-      <a:bgFillStyleLst>
-        <a:solidFill>
-          <a:schemeClr val="phClr"/>
-        </a:solidFill>
-        <a:gradFill rotWithShape="1">
-          <a:gsLst>
-            <a:gs pos="0">
-              <a:schemeClr val="phClr">
-                <a:tint val="40000"/>
-                <a:satMod val="350000"/>
-              </a:schemeClr>
-            </a:gs>
-            <a:gs pos="40000">
-              <a:schemeClr val="phClr">
-                <a:tint val="45000"/>
-                <a:shade val="99000"/>
-                <a:satMod val="350000"/>
-              </a:schemeClr>
-            </a:gs>
-            <a:gs pos="100000">
-              <a:schemeClr val="phClr">
-                <a:shade val="20000"/>
-                <a:satMod val="255000"/>
-              </a:schemeClr>
-            </a:gs>
-          </a:gsLst>
-          <a:path path="circle">
-            <a:fillToRect l="50000" t="-80000" r="50000" b="180000"/>
-          </a:path>
-        </a:gradFill>
-        <a:gradFill rotWithShape="1">
-          <a:gsLst>
-            <a:gs pos="0">
-              <a:schemeClr val="phClr">
-                <a:tint val="80000"/>
-                <a:satMod val="300000"/>
-              </a:schemeClr>
-            </a:gs>
-            <a:gs pos="100000">
-              <a:schemeClr val="phClr">
-                <a:shade val="30000"/>
-                <a:satMod val="200000"/>
-              </a:schemeClr>
-            </a:gs>
-          </a:gsLst>
-          <a:path path="circle">
-            <a:fillToRect l="50000" t="50000" r="50000" b="50000"/>
-          </a:path>
-        </a:gradFill>
-      </a:bgFillStyleLst>
-    </a:fmtScheme>
-  </a:themeElements>
-</a:theme>
 </file>